--- a/ME EN 6960_Group4_Exp3.pptx
+++ b/ME EN 6960_Group4_Exp3.pptx
@@ -4176,8 +4176,8 @@
           </a:prstGeom>
         </p:spPr>
       </p:pic>
-      <mc:AlternateContent xmlns:mc="http://schemas.openxmlformats.org/markup-compatibility/2006">
-        <mc:Choice xmlns:a14="http://schemas.microsoft.com/office/drawing/2010/main" Requires="a14">
+      <mc:AlternateContent xmlns:mc="http://schemas.openxmlformats.org/markup-compatibility/2006" xmlns:a14="http://schemas.microsoft.com/office/drawing/2010/main">
+        <mc:Choice Requires="a14">
           <p:sp>
             <p:nvSpPr>
               <p:cNvPr id="7" name="TextBox 6">
@@ -4215,6 +4215,7 @@
                 <a:endParaRPr lang="en-US" dirty="0"/>
               </a:p>
               <a:p>
+                <a:pPr/>
                 <a14:m>
                   <m:oMathPara xmlns:m="http://schemas.openxmlformats.org/officeDocument/2006/math">
                     <m:oMathParaPr>
@@ -4364,7 +4365,7 @@
             </p:txBody>
           </p:sp>
         </mc:Choice>
-        <mc:Fallback>
+        <mc:Fallback xmlns="">
           <p:sp>
             <p:nvSpPr>
               <p:cNvPr id="7" name="TextBox 6">
@@ -7271,8 +7272,8 @@
           </a:prstGeom>
         </p:spPr>
       </p:pic>
-      <mc:AlternateContent xmlns:mc="http://schemas.openxmlformats.org/markup-compatibility/2006">
-        <mc:Choice xmlns:a14="http://schemas.microsoft.com/office/drawing/2010/main" Requires="a14">
+      <mc:AlternateContent xmlns:mc="http://schemas.openxmlformats.org/markup-compatibility/2006" xmlns:a14="http://schemas.microsoft.com/office/drawing/2010/main">
+        <mc:Choice Requires="a14">
           <p:sp>
             <p:nvSpPr>
               <p:cNvPr id="13" name="TextBox 12">
@@ -7301,6 +7302,7 @@
               </a:bodyPr>
               <a:lstStyle/>
               <a:p>
+                <a:pPr/>
                 <a14:m>
                   <m:oMathPara xmlns:m="http://schemas.openxmlformats.org/officeDocument/2006/math">
                     <m:oMathParaPr>
@@ -7376,7 +7378,7 @@
             </p:txBody>
           </p:sp>
         </mc:Choice>
-        <mc:Fallback>
+        <mc:Fallback xmlns="">
           <p:sp>
             <p:nvSpPr>
               <p:cNvPr id="13" name="TextBox 12">
